--- a/design/observer/-郑伏辉-observer.pptx
+++ b/design/observer/-郑伏辉-observer.pptx
@@ -5,14 +5,14 @@
     <p:sldMasterId id="2147483648" r:id="rId1"/>
   </p:sldMasterIdLst>
   <p:notesMasterIdLst>
-    <p:notesMasterId r:id="rId8"/>
+    <p:notesMasterId r:id="rId7"/>
   </p:notesMasterIdLst>
   <p:sldIdLst>
-    <p:sldId id="496" r:id="rId3"/>
-    <p:sldId id="701" r:id="rId4"/>
+    <p:sldId id="496" r:id="rId2"/>
+    <p:sldId id="701" r:id="rId3"/>
+    <p:sldId id="703" r:id="rId4"/>
     <p:sldId id="702" r:id="rId5"/>
-    <p:sldId id="703" r:id="rId6"/>
-    <p:sldId id="704" r:id="rId7"/>
+    <p:sldId id="704" r:id="rId6"/>
   </p:sldIdLst>
   <p:sldSz cx="9144000" cy="6858000" type="screen4x3"/>
   <p:notesSz cx="6858000" cy="9144000"/>
@@ -141,6 +141,22 @@
       </a:defRPr>
     </a:lvl9pPr>
   </p:defaultTextStyle>
+  <p:extLst>
+    <p:ext uri="{EFAFB233-063F-42B5-8137-9DF3F51BA10A}">
+      <p15:sldGuideLst xmlns:p15="http://schemas.microsoft.com/office/powerpoint/2012/main">
+        <p15:guide id="1" orient="horz" pos="2063">
+          <p15:clr>
+            <a:srgbClr val="A4A3A4"/>
+          </p15:clr>
+        </p15:guide>
+        <p15:guide id="2" pos="2957">
+          <p15:clr>
+            <a:srgbClr val="A4A3A4"/>
+          </p15:clr>
+        </p15:guide>
+      </p15:sldGuideLst>
+    </p:ext>
+  </p:extLst>
 </p:presentation>
 </file>
 
@@ -253,6 +269,7 @@
             </a:pPr>
             <a:fld id="{9CAD6494-A085-46DC-B27F-3DDD760CD16A}" type="datetime1">
               <a:rPr lang="en-US"/>
+              <a:t>4/6/2020</a:t>
             </a:fld>
             <a:endParaRPr lang="en-US"/>
           </a:p>
@@ -316,7 +333,6 @@
               <a:rPr lang="zh-CN" altLang="en-US" noProof="0"/>
               <a:t>单击此处编辑母版文本样式</a:t>
             </a:r>
-            <a:endParaRPr lang="zh-CN" altLang="en-US" noProof="0"/>
           </a:p>
           <a:p>
             <a:pPr lvl="1"/>
@@ -324,7 +340,6 @@
               <a:rPr lang="zh-CN" altLang="en-US" noProof="0"/>
               <a:t>第二级</a:t>
             </a:r>
-            <a:endParaRPr lang="zh-CN" altLang="en-US" noProof="0"/>
           </a:p>
           <a:p>
             <a:pPr lvl="2"/>
@@ -332,7 +347,6 @@
               <a:rPr lang="zh-CN" altLang="en-US" noProof="0"/>
               <a:t>第三级</a:t>
             </a:r>
-            <a:endParaRPr lang="zh-CN" altLang="en-US" noProof="0"/>
           </a:p>
           <a:p>
             <a:pPr lvl="3"/>
@@ -340,7 +354,6 @@
               <a:rPr lang="zh-CN" altLang="en-US" noProof="0"/>
               <a:t>第四级</a:t>
             </a:r>
-            <a:endParaRPr lang="zh-CN" altLang="en-US" noProof="0"/>
           </a:p>
           <a:p>
             <a:pPr lvl="4"/>
@@ -348,7 +361,6 @@
               <a:rPr lang="zh-CN" altLang="en-US" noProof="0"/>
               <a:t>第五级</a:t>
             </a:r>
-            <a:endParaRPr lang="zh-CN" altLang="en-US" noProof="0"/>
           </a:p>
         </p:txBody>
       </p:sp>
@@ -395,7 +407,6 @@
               <a:rPr lang="en-US"/>
               <a:t>8</a:t>
             </a:r>
-            <a:endParaRPr lang="en-US"/>
           </a:p>
         </p:txBody>
       </p:sp>
@@ -440,6 +451,7 @@
             </a:pPr>
             <a:fld id="{4DDBACFE-3F8C-4D47-8FC0-E955AB80C887}" type="slidenum">
               <a:rPr lang="en-US"/>
+              <a:t>‹#›</a:t>
             </a:fld>
             <a:endParaRPr lang="en-US"/>
           </a:p>
@@ -615,7 +627,6 @@
               <a:rPr lang="zh-CN" altLang="en-US"/>
               <a:t>单击此处编辑母版标题样式</a:t>
             </a:r>
-            <a:endParaRPr lang="zh-CN" altLang="en-US"/>
           </a:p>
         </p:txBody>
       </p:sp>
@@ -683,7 +694,6 @@
               <a:rPr lang="zh-CN" altLang="en-US"/>
               <a:t>单击此处编辑母版副标题样式</a:t>
             </a:r>
-            <a:endParaRPr lang="zh-CN" altLang="en-US"/>
           </a:p>
         </p:txBody>
       </p:sp>
@@ -711,6 +721,7 @@
             </a:pPr>
             <a:fld id="{F8E3F741-D84E-46C6-A8DD-9D6C6FD04BE0}" type="slidenum">
               <a:rPr lang="en-US"/>
+              <a:t>‹#›</a:t>
             </a:fld>
             <a:endParaRPr lang="en-US"/>
           </a:p>
@@ -760,7 +771,6 @@
               <a:rPr lang="zh-CN" altLang="en-US"/>
               <a:t>单击此处编辑母版标题样式</a:t>
             </a:r>
-            <a:endParaRPr lang="zh-CN" altLang="en-US"/>
           </a:p>
         </p:txBody>
       </p:sp>
@@ -792,7 +802,6 @@
               <a:rPr lang="zh-CN" altLang="en-US"/>
               <a:t>单击此处编辑母版文本样式</a:t>
             </a:r>
-            <a:endParaRPr lang="zh-CN" altLang="en-US"/>
           </a:p>
           <a:p>
             <a:pPr lvl="1"/>
@@ -800,7 +809,6 @@
               <a:rPr lang="zh-CN" altLang="en-US"/>
               <a:t>第二级</a:t>
             </a:r>
-            <a:endParaRPr lang="zh-CN" altLang="en-US"/>
           </a:p>
           <a:p>
             <a:pPr lvl="2"/>
@@ -808,7 +816,6 @@
               <a:rPr lang="zh-CN" altLang="en-US"/>
               <a:t>第三级</a:t>
             </a:r>
-            <a:endParaRPr lang="zh-CN" altLang="en-US"/>
           </a:p>
           <a:p>
             <a:pPr lvl="3"/>
@@ -816,7 +823,6 @@
               <a:rPr lang="zh-CN" altLang="en-US"/>
               <a:t>第四级</a:t>
             </a:r>
-            <a:endParaRPr lang="zh-CN" altLang="en-US"/>
           </a:p>
           <a:p>
             <a:pPr lvl="4"/>
@@ -824,7 +830,6 @@
               <a:rPr lang="zh-CN" altLang="en-US"/>
               <a:t>第五级</a:t>
             </a:r>
-            <a:endParaRPr lang="zh-CN" altLang="en-US"/>
           </a:p>
         </p:txBody>
       </p:sp>
@@ -852,6 +857,7 @@
             </a:pPr>
             <a:fld id="{BFCDC9AC-A77F-44E9-8DF4-B4597D076703}" type="slidenum">
               <a:rPr lang="en-US"/>
+              <a:t>‹#›</a:t>
             </a:fld>
             <a:endParaRPr lang="en-US"/>
           </a:p>
@@ -906,7 +912,6 @@
               <a:rPr lang="zh-CN" altLang="en-US"/>
               <a:t>单击此处编辑母版标题样式</a:t>
             </a:r>
-            <a:endParaRPr lang="zh-CN" altLang="en-US"/>
           </a:p>
         </p:txBody>
       </p:sp>
@@ -938,7 +943,6 @@
               <a:rPr lang="zh-CN" altLang="en-US"/>
               <a:t>单击此处编辑母版文本样式</a:t>
             </a:r>
-            <a:endParaRPr lang="zh-CN" altLang="en-US"/>
           </a:p>
           <a:p>
             <a:pPr lvl="1"/>
@@ -946,7 +950,6 @@
               <a:rPr lang="zh-CN" altLang="en-US"/>
               <a:t>第二级</a:t>
             </a:r>
-            <a:endParaRPr lang="zh-CN" altLang="en-US"/>
           </a:p>
           <a:p>
             <a:pPr lvl="2"/>
@@ -954,7 +957,6 @@
               <a:rPr lang="zh-CN" altLang="en-US"/>
               <a:t>第三级</a:t>
             </a:r>
-            <a:endParaRPr lang="zh-CN" altLang="en-US"/>
           </a:p>
           <a:p>
             <a:pPr lvl="3"/>
@@ -962,7 +964,6 @@
               <a:rPr lang="zh-CN" altLang="en-US"/>
               <a:t>第四级</a:t>
             </a:r>
-            <a:endParaRPr lang="zh-CN" altLang="en-US"/>
           </a:p>
           <a:p>
             <a:pPr lvl="4"/>
@@ -970,7 +971,6 @@
               <a:rPr lang="zh-CN" altLang="en-US"/>
               <a:t>第五级</a:t>
             </a:r>
-            <a:endParaRPr lang="zh-CN" altLang="en-US"/>
           </a:p>
         </p:txBody>
       </p:sp>
@@ -998,6 +998,7 @@
             </a:pPr>
             <a:fld id="{0FDA8022-A9B8-4B6A-AD27-AED4672EDD4D}" type="slidenum">
               <a:rPr lang="en-US"/>
+              <a:t>‹#›</a:t>
             </a:fld>
             <a:endParaRPr lang="en-US"/>
           </a:p>
@@ -1047,7 +1048,6 @@
               <a:rPr lang="zh-CN" altLang="en-US"/>
               <a:t>单击此处编辑母版标题样式</a:t>
             </a:r>
-            <a:endParaRPr lang="zh-CN" altLang="en-US"/>
           </a:p>
         </p:txBody>
       </p:sp>
@@ -1079,7 +1079,6 @@
               <a:rPr lang="zh-CN" altLang="en-US"/>
               <a:t>单击此处编辑母版文本样式</a:t>
             </a:r>
-            <a:endParaRPr lang="zh-CN" altLang="en-US"/>
           </a:p>
           <a:p>
             <a:pPr lvl="1"/>
@@ -1087,7 +1086,6 @@
               <a:rPr lang="zh-CN" altLang="en-US"/>
               <a:t>第二级</a:t>
             </a:r>
-            <a:endParaRPr lang="zh-CN" altLang="en-US"/>
           </a:p>
           <a:p>
             <a:pPr lvl="2"/>
@@ -1095,7 +1093,6 @@
               <a:rPr lang="zh-CN" altLang="en-US"/>
               <a:t>第三级</a:t>
             </a:r>
-            <a:endParaRPr lang="zh-CN" altLang="en-US"/>
           </a:p>
           <a:p>
             <a:pPr lvl="3"/>
@@ -1103,7 +1100,6 @@
               <a:rPr lang="zh-CN" altLang="en-US"/>
               <a:t>第四级</a:t>
             </a:r>
-            <a:endParaRPr lang="zh-CN" altLang="en-US"/>
           </a:p>
           <a:p>
             <a:pPr lvl="4"/>
@@ -1111,7 +1107,6 @@
               <a:rPr lang="zh-CN" altLang="en-US"/>
               <a:t>第五级</a:t>
             </a:r>
-            <a:endParaRPr lang="zh-CN" altLang="en-US"/>
           </a:p>
         </p:txBody>
       </p:sp>
@@ -1139,6 +1134,7 @@
             </a:pPr>
             <a:fld id="{81A5AF24-1C3E-4A65-8179-45E00A28830A}" type="slidenum">
               <a:rPr lang="en-US"/>
+              <a:t>‹#›</a:t>
             </a:fld>
             <a:endParaRPr lang="en-US"/>
           </a:p>
@@ -1197,7 +1193,6 @@
               <a:rPr lang="zh-CN" altLang="en-US"/>
               <a:t>单击此处编辑母版标题样式</a:t>
             </a:r>
-            <a:endParaRPr lang="zh-CN" altLang="en-US"/>
           </a:p>
         </p:txBody>
       </p:sp>
@@ -1266,7 +1261,6 @@
               <a:rPr lang="zh-CN" altLang="en-US"/>
               <a:t>单击此处编辑母版文本样式</a:t>
             </a:r>
-            <a:endParaRPr lang="zh-CN" altLang="en-US"/>
           </a:p>
         </p:txBody>
       </p:sp>
@@ -1294,6 +1288,7 @@
             </a:pPr>
             <a:fld id="{E21C072D-9094-4A9F-8C85-F618D103BAB2}" type="slidenum">
               <a:rPr lang="en-US"/>
+              <a:t>‹#›</a:t>
             </a:fld>
             <a:endParaRPr lang="en-US"/>
           </a:p>
@@ -1343,7 +1338,6 @@
               <a:rPr lang="zh-CN" altLang="en-US"/>
               <a:t>单击此处编辑母版标题样式</a:t>
             </a:r>
-            <a:endParaRPr lang="zh-CN" altLang="en-US"/>
           </a:p>
         </p:txBody>
       </p:sp>
@@ -1403,7 +1397,6 @@
               <a:rPr lang="zh-CN" altLang="en-US"/>
               <a:t>单击此处编辑母版文本样式</a:t>
             </a:r>
-            <a:endParaRPr lang="zh-CN" altLang="en-US"/>
           </a:p>
           <a:p>
             <a:pPr lvl="1"/>
@@ -1411,7 +1404,6 @@
               <a:rPr lang="zh-CN" altLang="en-US"/>
               <a:t>第二级</a:t>
             </a:r>
-            <a:endParaRPr lang="zh-CN" altLang="en-US"/>
           </a:p>
           <a:p>
             <a:pPr lvl="2"/>
@@ -1419,7 +1411,6 @@
               <a:rPr lang="zh-CN" altLang="en-US"/>
               <a:t>第三级</a:t>
             </a:r>
-            <a:endParaRPr lang="zh-CN" altLang="en-US"/>
           </a:p>
           <a:p>
             <a:pPr lvl="3"/>
@@ -1427,7 +1418,6 @@
               <a:rPr lang="zh-CN" altLang="en-US"/>
               <a:t>第四级</a:t>
             </a:r>
-            <a:endParaRPr lang="zh-CN" altLang="en-US"/>
           </a:p>
           <a:p>
             <a:pPr lvl="4"/>
@@ -1435,7 +1425,6 @@
               <a:rPr lang="zh-CN" altLang="en-US"/>
               <a:t>第五级</a:t>
             </a:r>
-            <a:endParaRPr lang="zh-CN" altLang="en-US"/>
           </a:p>
         </p:txBody>
       </p:sp>
@@ -1495,7 +1484,6 @@
               <a:rPr lang="zh-CN" altLang="en-US"/>
               <a:t>单击此处编辑母版文本样式</a:t>
             </a:r>
-            <a:endParaRPr lang="zh-CN" altLang="en-US"/>
           </a:p>
           <a:p>
             <a:pPr lvl="1"/>
@@ -1503,7 +1491,6 @@
               <a:rPr lang="zh-CN" altLang="en-US"/>
               <a:t>第二级</a:t>
             </a:r>
-            <a:endParaRPr lang="zh-CN" altLang="en-US"/>
           </a:p>
           <a:p>
             <a:pPr lvl="2"/>
@@ -1511,7 +1498,6 @@
               <a:rPr lang="zh-CN" altLang="en-US"/>
               <a:t>第三级</a:t>
             </a:r>
-            <a:endParaRPr lang="zh-CN" altLang="en-US"/>
           </a:p>
           <a:p>
             <a:pPr lvl="3"/>
@@ -1519,7 +1505,6 @@
               <a:rPr lang="zh-CN" altLang="en-US"/>
               <a:t>第四级</a:t>
             </a:r>
-            <a:endParaRPr lang="zh-CN" altLang="en-US"/>
           </a:p>
           <a:p>
             <a:pPr lvl="4"/>
@@ -1527,7 +1512,6 @@
               <a:rPr lang="zh-CN" altLang="en-US"/>
               <a:t>第五级</a:t>
             </a:r>
-            <a:endParaRPr lang="zh-CN" altLang="en-US"/>
           </a:p>
         </p:txBody>
       </p:sp>
@@ -1555,6 +1539,7 @@
             </a:pPr>
             <a:fld id="{5C9BBD7F-8CB1-4630-A773-DD23C92AB2FF}" type="slidenum">
               <a:rPr lang="en-US"/>
+              <a:t>‹#›</a:t>
             </a:fld>
             <a:endParaRPr lang="en-US"/>
           </a:p>
@@ -1613,7 +1598,6 @@
               <a:rPr lang="zh-CN" altLang="en-US"/>
               <a:t>单击此处编辑母版标题样式</a:t>
             </a:r>
-            <a:endParaRPr lang="zh-CN" altLang="en-US"/>
           </a:p>
         </p:txBody>
       </p:sp>
@@ -1682,7 +1666,6 @@
               <a:rPr lang="zh-CN" altLang="en-US"/>
               <a:t>单击此处编辑母版文本样式</a:t>
             </a:r>
-            <a:endParaRPr lang="zh-CN" altLang="en-US"/>
           </a:p>
         </p:txBody>
       </p:sp>
@@ -1742,7 +1725,6 @@
               <a:rPr lang="zh-CN" altLang="en-US"/>
               <a:t>单击此处编辑母版文本样式</a:t>
             </a:r>
-            <a:endParaRPr lang="zh-CN" altLang="en-US"/>
           </a:p>
           <a:p>
             <a:pPr lvl="1"/>
@@ -1750,7 +1732,6 @@
               <a:rPr lang="zh-CN" altLang="en-US"/>
               <a:t>第二级</a:t>
             </a:r>
-            <a:endParaRPr lang="zh-CN" altLang="en-US"/>
           </a:p>
           <a:p>
             <a:pPr lvl="2"/>
@@ -1758,7 +1739,6 @@
               <a:rPr lang="zh-CN" altLang="en-US"/>
               <a:t>第三级</a:t>
             </a:r>
-            <a:endParaRPr lang="zh-CN" altLang="en-US"/>
           </a:p>
           <a:p>
             <a:pPr lvl="3"/>
@@ -1766,7 +1746,6 @@
               <a:rPr lang="zh-CN" altLang="en-US"/>
               <a:t>第四级</a:t>
             </a:r>
-            <a:endParaRPr lang="zh-CN" altLang="en-US"/>
           </a:p>
           <a:p>
             <a:pPr lvl="4"/>
@@ -1774,7 +1753,6 @@
               <a:rPr lang="zh-CN" altLang="en-US"/>
               <a:t>第五级</a:t>
             </a:r>
-            <a:endParaRPr lang="zh-CN" altLang="en-US"/>
           </a:p>
         </p:txBody>
       </p:sp>
@@ -1843,7 +1821,6 @@
               <a:rPr lang="zh-CN" altLang="en-US"/>
               <a:t>单击此处编辑母版文本样式</a:t>
             </a:r>
-            <a:endParaRPr lang="zh-CN" altLang="en-US"/>
           </a:p>
         </p:txBody>
       </p:sp>
@@ -1903,7 +1880,6 @@
               <a:rPr lang="zh-CN" altLang="en-US"/>
               <a:t>单击此处编辑母版文本样式</a:t>
             </a:r>
-            <a:endParaRPr lang="zh-CN" altLang="en-US"/>
           </a:p>
           <a:p>
             <a:pPr lvl="1"/>
@@ -1911,7 +1887,6 @@
               <a:rPr lang="zh-CN" altLang="en-US"/>
               <a:t>第二级</a:t>
             </a:r>
-            <a:endParaRPr lang="zh-CN" altLang="en-US"/>
           </a:p>
           <a:p>
             <a:pPr lvl="2"/>
@@ -1919,7 +1894,6 @@
               <a:rPr lang="zh-CN" altLang="en-US"/>
               <a:t>第三级</a:t>
             </a:r>
-            <a:endParaRPr lang="zh-CN" altLang="en-US"/>
           </a:p>
           <a:p>
             <a:pPr lvl="3"/>
@@ -1927,7 +1901,6 @@
               <a:rPr lang="zh-CN" altLang="en-US"/>
               <a:t>第四级</a:t>
             </a:r>
-            <a:endParaRPr lang="zh-CN" altLang="en-US"/>
           </a:p>
           <a:p>
             <a:pPr lvl="4"/>
@@ -1935,7 +1908,6 @@
               <a:rPr lang="zh-CN" altLang="en-US"/>
               <a:t>第五级</a:t>
             </a:r>
-            <a:endParaRPr lang="zh-CN" altLang="en-US"/>
           </a:p>
         </p:txBody>
       </p:sp>
@@ -1963,6 +1935,7 @@
             </a:pPr>
             <a:fld id="{3C894F3B-5302-4134-BEF7-3103E1E20BD8}" type="slidenum">
               <a:rPr lang="en-US"/>
+              <a:t>‹#›</a:t>
             </a:fld>
             <a:endParaRPr lang="en-US"/>
           </a:p>
@@ -2012,7 +1985,6 @@
               <a:rPr lang="zh-CN" altLang="en-US"/>
               <a:t>单击此处编辑母版标题样式</a:t>
             </a:r>
-            <a:endParaRPr lang="zh-CN" altLang="en-US"/>
           </a:p>
         </p:txBody>
       </p:sp>
@@ -2040,6 +2012,7 @@
             </a:pPr>
             <a:fld id="{A9C291B0-787A-4DC4-AE50-1E777AEE7C28}" type="slidenum">
               <a:rPr lang="en-US"/>
+              <a:t>‹#›</a:t>
             </a:fld>
             <a:endParaRPr lang="en-US"/>
           </a:p>
@@ -2094,6 +2067,7 @@
             </a:pPr>
             <a:fld id="{BFD985A7-C579-42AB-9DC6-F35271F2D58B}" type="slidenum">
               <a:rPr lang="en-US"/>
+              <a:t>‹#›</a:t>
             </a:fld>
             <a:endParaRPr lang="en-US"/>
           </a:p>
@@ -2152,7 +2126,6 @@
               <a:rPr lang="zh-CN" altLang="en-US"/>
               <a:t>单击此处编辑母版标题样式</a:t>
             </a:r>
-            <a:endParaRPr lang="zh-CN" altLang="en-US"/>
           </a:p>
         </p:txBody>
       </p:sp>
@@ -2212,7 +2185,6 @@
               <a:rPr lang="zh-CN" altLang="en-US"/>
               <a:t>单击此处编辑母版文本样式</a:t>
             </a:r>
-            <a:endParaRPr lang="zh-CN" altLang="en-US"/>
           </a:p>
           <a:p>
             <a:pPr lvl="1"/>
@@ -2220,7 +2192,6 @@
               <a:rPr lang="zh-CN" altLang="en-US"/>
               <a:t>第二级</a:t>
             </a:r>
-            <a:endParaRPr lang="zh-CN" altLang="en-US"/>
           </a:p>
           <a:p>
             <a:pPr lvl="2"/>
@@ -2228,7 +2199,6 @@
               <a:rPr lang="zh-CN" altLang="en-US"/>
               <a:t>第三级</a:t>
             </a:r>
-            <a:endParaRPr lang="zh-CN" altLang="en-US"/>
           </a:p>
           <a:p>
             <a:pPr lvl="3"/>
@@ -2236,7 +2206,6 @@
               <a:rPr lang="zh-CN" altLang="en-US"/>
               <a:t>第四级</a:t>
             </a:r>
-            <a:endParaRPr lang="zh-CN" altLang="en-US"/>
           </a:p>
           <a:p>
             <a:pPr lvl="4"/>
@@ -2244,7 +2213,6 @@
               <a:rPr lang="zh-CN" altLang="en-US"/>
               <a:t>第五级</a:t>
             </a:r>
-            <a:endParaRPr lang="zh-CN" altLang="en-US"/>
           </a:p>
         </p:txBody>
       </p:sp>
@@ -2313,7 +2281,6 @@
               <a:rPr lang="zh-CN" altLang="en-US"/>
               <a:t>单击此处编辑母版文本样式</a:t>
             </a:r>
-            <a:endParaRPr lang="zh-CN" altLang="en-US"/>
           </a:p>
         </p:txBody>
       </p:sp>
@@ -2341,6 +2308,7 @@
             </a:pPr>
             <a:fld id="{490E4C2F-53FA-44B2-AE97-4F30D1D17E10}" type="slidenum">
               <a:rPr lang="en-US"/>
+              <a:t>‹#›</a:t>
             </a:fld>
             <a:endParaRPr lang="en-US"/>
           </a:p>
@@ -2399,7 +2367,6 @@
               <a:rPr lang="zh-CN" altLang="en-US"/>
               <a:t>单击此处编辑母版标题样式</a:t>
             </a:r>
-            <a:endParaRPr lang="zh-CN" altLang="en-US"/>
           </a:p>
         </p:txBody>
       </p:sp>
@@ -2533,7 +2500,6 @@
               <a:rPr lang="zh-CN" altLang="en-US"/>
               <a:t>单击此处编辑母版文本样式</a:t>
             </a:r>
-            <a:endParaRPr lang="zh-CN" altLang="en-US"/>
           </a:p>
         </p:txBody>
       </p:sp>
@@ -2561,6 +2527,7 @@
             </a:pPr>
             <a:fld id="{BEFB5513-AD31-4630-B4EF-4DCB14063F44}" type="slidenum">
               <a:rPr lang="en-US"/>
+              <a:t>‹#›</a:t>
             </a:fld>
             <a:endParaRPr lang="en-US"/>
           </a:p>
@@ -2580,7 +2547,7 @@
     <p:bg bwMode="auto">
       <p:bgPr>
         <a:blipFill dpi="0" rotWithShape="0">
-          <a:blip r:embed="rId12"/>
+          <a:blip r:embed="rId13"/>
           <a:srcRect/>
           <a:stretch>
             <a:fillRect/>
@@ -2636,7 +2603,6 @@
               <a:rPr lang="zh-CN" altLang="en-US"/>
               <a:t>单击此处编辑母版标题样式</a:t>
             </a:r>
-            <a:endParaRPr lang="zh-CN" altLang="en-US"/>
           </a:p>
         </p:txBody>
       </p:sp>
@@ -2677,6 +2643,7 @@
             </a:pPr>
             <a:fld id="{5EB33917-AF39-40A2-95F1-52942AD74F50}" type="slidenum">
               <a:rPr lang="en-US"/>
+              <a:t>‹#›</a:t>
             </a:fld>
             <a:endParaRPr lang="en-US"/>
           </a:p>
@@ -3120,6 +3087,7 @@
           <a:p>
             <a:fld id="{8E4C89E2-E8AA-4D75-B4EF-6258C4F55C1D}" type="slidenum">
               <a:rPr lang="en-US" altLang="zh-CN" smtClean="0"/>
+              <a:t>1</a:t>
             </a:fld>
             <a:endParaRPr lang="en-US" altLang="zh-CN"/>
           </a:p>
@@ -3154,6 +3122,7 @@
             <a:pPr algn="r"/>
             <a:fld id="{2B6A1A30-8911-4F3C-A0E9-083B67F5BCB9}" type="slidenum">
               <a:rPr lang="en-US" altLang="zh-CN" sz="1400"/>
+              <a:t>1</a:t>
             </a:fld>
             <a:endParaRPr lang="en-US" altLang="zh-CN" sz="1400"/>
           </a:p>
@@ -3199,15 +3168,7 @@
                   <a:schemeClr val="tx1"/>
                 </a:solidFill>
               </a:rPr>
-              <a:t>观察者</a:t>
-            </a:r>
-            <a:r>
-              <a:rPr lang="zh-CN" altLang="en-US" sz="5400" b="1" dirty="0" err="1">
-                <a:solidFill>
-                  <a:schemeClr val="tx1"/>
-                </a:solidFill>
-              </a:rPr>
-              <a:t>模式</a:t>
+              <a:t>观察者模式</a:t>
             </a:r>
             <a:endParaRPr lang="zh-CN" altLang="en-US" sz="1800" b="1" dirty="0">
               <a:solidFill>
@@ -3317,6 +3278,7 @@
           <a:bodyPr wrap="none" rtlCol="0">
             <a:spAutoFit/>
           </a:bodyPr>
+          <a:lstStyle/>
           <a:p>
             <a:r>
               <a:rPr lang="zh-CN" altLang="en-US" b="1">
@@ -3326,11 +3288,6 @@
               </a:rPr>
               <a:t>郑伏辉</a:t>
             </a:r>
-            <a:endParaRPr lang="zh-CN" altLang="en-US" b="1">
-              <a:solidFill>
-                <a:schemeClr val="tx1"/>
-              </a:solidFill>
-            </a:endParaRPr>
           </a:p>
         </p:txBody>
       </p:sp>
@@ -3351,7 +3308,14 @@
         <p:cNvGrpSpPr/>
         <p:nvPr/>
       </p:nvGrpSpPr>
-      <p:grpSpPr/>
+      <p:grpSpPr>
+        <a:xfrm>
+          <a:off x="0" y="0"/>
+          <a:ext cx="0" cy="0"/>
+          <a:chOff x="0" y="0"/>
+          <a:chExt cx="0" cy="0"/>
+        </a:xfrm>
+      </p:grpSpPr>
       <p:sp>
         <p:nvSpPr>
           <p:cNvPr id="2" name="灯片编号占位符 1"/>
@@ -3365,12 +3329,14 @@
         <p:spPr/>
         <p:txBody>
           <a:bodyPr/>
+          <a:lstStyle/>
           <a:p>
             <a:pPr>
               <a:defRPr/>
             </a:pPr>
             <a:fld id="{BFD985A7-C579-42AB-9DC6-F35271F2D58B}" type="slidenum">
               <a:rPr lang="en-US"/>
+              <a:t>2</a:t>
             </a:fld>
             <a:endParaRPr lang="en-US"/>
           </a:p>
@@ -3396,6 +3362,7 @@
           <a:bodyPr wrap="none" rtlCol="0">
             <a:spAutoFit/>
           </a:bodyPr>
+          <a:lstStyle/>
           <a:p>
             <a:r>
               <a:rPr lang="zh-CN" altLang="en-US" sz="2400" b="1">
@@ -3405,11 +3372,6 @@
               </a:rPr>
               <a:t>模式定义</a:t>
             </a:r>
-            <a:endParaRPr lang="zh-CN" altLang="en-US" sz="2400" b="1">
-              <a:solidFill>
-                <a:schemeClr val="bg1"/>
-              </a:solidFill>
-            </a:endParaRPr>
           </a:p>
         </p:txBody>
       </p:sp>
@@ -3433,6 +3395,7 @@
           <a:bodyPr wrap="none" rtlCol="0">
             <a:spAutoFit/>
           </a:bodyPr>
+          <a:lstStyle/>
           <a:p>
             <a:pPr algn="l"/>
             <a:r>
@@ -3443,11 +3406,6 @@
               </a:rPr>
               <a:t>定义对象间的一种一对多（变化）的依赖关系，以便当一个</a:t>
             </a:r>
-            <a:endParaRPr lang="zh-CN" altLang="en-US" sz="2400" b="1">
-              <a:solidFill>
-                <a:schemeClr val="tx1"/>
-              </a:solidFill>
-            </a:endParaRPr>
           </a:p>
           <a:p>
             <a:pPr algn="l"/>
@@ -3459,11 +3417,6 @@
               </a:rPr>
               <a:t>对象(Subject)的状态发生改变时，所有依赖于它的对象都</a:t>
             </a:r>
-            <a:endParaRPr lang="zh-CN" altLang="en-US" sz="2400" b="1">
-              <a:solidFill>
-                <a:schemeClr val="tx1"/>
-              </a:solidFill>
-            </a:endParaRPr>
           </a:p>
           <a:p>
             <a:pPr algn="l"/>
@@ -3475,11 +3428,6 @@
               </a:rPr>
               <a:t>得到通知并自动更新。</a:t>
             </a:r>
-            <a:endParaRPr lang="zh-CN" altLang="en-US" sz="2400" b="1">
-              <a:solidFill>
-                <a:schemeClr val="tx1"/>
-              </a:solidFill>
-            </a:endParaRPr>
           </a:p>
         </p:txBody>
       </p:sp>
@@ -3503,6 +3451,7 @@
           <a:bodyPr wrap="none" rtlCol="0">
             <a:spAutoFit/>
           </a:bodyPr>
+          <a:lstStyle/>
           <a:p>
             <a:r>
               <a:rPr lang="en-US" altLang="zh-CN">
@@ -3528,11 +3477,6 @@
               </a:rPr>
               <a:t>Gof</a:t>
             </a:r>
-            <a:endParaRPr lang="en-US" altLang="zh-CN">
-              <a:solidFill>
-                <a:schemeClr val="tx1"/>
-              </a:solidFill>
-            </a:endParaRPr>
           </a:p>
         </p:txBody>
       </p:sp>
@@ -3553,7 +3497,14 @@
         <p:cNvGrpSpPr/>
         <p:nvPr/>
       </p:nvGrpSpPr>
-      <p:grpSpPr/>
+      <p:grpSpPr>
+        <a:xfrm>
+          <a:off x="0" y="0"/>
+          <a:ext cx="0" cy="0"/>
+          <a:chOff x="0" y="0"/>
+          <a:chExt cx="0" cy="0"/>
+        </a:xfrm>
+      </p:grpSpPr>
       <p:sp>
         <p:nvSpPr>
           <p:cNvPr id="2" name="灯片编号占位符 1"/>
@@ -3567,55 +3518,29 @@
         <p:spPr/>
         <p:txBody>
           <a:bodyPr/>
+          <a:lstStyle/>
           <a:p>
             <a:pPr>
               <a:defRPr/>
             </a:pPr>
             <a:fld id="{BFD985A7-C579-42AB-9DC6-F35271F2D58B}" type="slidenum">
               <a:rPr lang="en-US"/>
+              <a:t>3</a:t>
             </a:fld>
             <a:endParaRPr lang="en-US"/>
           </a:p>
         </p:txBody>
       </p:sp>
-      <p:pic>
-        <p:nvPicPr>
-          <p:cNvPr id="3" name="图片 2"/>
-          <p:cNvPicPr>
-            <a:picLocks noChangeAspect="1"/>
-          </p:cNvPicPr>
-          <p:nvPr>
-            <p:custDataLst>
-              <p:tags r:id="rId1"/>
-            </p:custDataLst>
-          </p:nvPr>
-        </p:nvPicPr>
-        <p:blipFill>
-          <a:blip r:embed="rId2"/>
-          <a:stretch>
-            <a:fillRect/>
-          </a:stretch>
-        </p:blipFill>
+      <p:sp>
+        <p:nvSpPr>
+          <p:cNvPr id="3" name="文本框 2"/>
+          <p:cNvSpPr txBox="1"/>
+          <p:nvPr/>
+        </p:nvSpPr>
         <p:spPr>
           <a:xfrm>
-            <a:off x="0" y="1358265"/>
-            <a:ext cx="9143365" cy="4352925"/>
-          </a:xfrm>
-          <a:prstGeom prst="rect">
-            <a:avLst/>
-          </a:prstGeom>
-        </p:spPr>
-      </p:pic>
-      <p:sp>
-        <p:nvSpPr>
-          <p:cNvPr id="4" name="文本框 3"/>
-          <p:cNvSpPr txBox="1"/>
-          <p:nvPr/>
-        </p:nvSpPr>
-        <p:spPr>
-          <a:xfrm>
-            <a:off x="245745" y="79375"/>
-            <a:ext cx="642620" cy="368300"/>
+            <a:off x="55880" y="107950"/>
+            <a:ext cx="1102360" cy="368300"/>
           </a:xfrm>
           <a:prstGeom prst="rect">
             <a:avLst/>
@@ -3626,12 +3551,98 @@
           <a:bodyPr wrap="none" rtlCol="0">
             <a:spAutoFit/>
           </a:bodyPr>
+          <a:lstStyle/>
           <a:p>
             <a:r>
               <a:rPr lang="zh-CN" altLang="en-US" b="1"/>
-              <a:t>结构</a:t>
-            </a:r>
-            <a:endParaRPr lang="zh-CN" altLang="en-US" b="1"/>
+              <a:t>场景假想</a:t>
+            </a:r>
+            <a:endParaRPr lang="en-US" altLang="zh-CN" b="1"/>
+          </a:p>
+        </p:txBody>
+      </p:sp>
+      <p:sp>
+        <p:nvSpPr>
+          <p:cNvPr id="4" name="文本框 3"/>
+          <p:cNvSpPr txBox="1"/>
+          <p:nvPr/>
+        </p:nvSpPr>
+        <p:spPr>
+          <a:xfrm>
+            <a:off x="389890" y="2040255"/>
+            <a:ext cx="7717155" cy="1388745"/>
+          </a:xfrm>
+          <a:prstGeom prst="rect">
+            <a:avLst/>
+          </a:prstGeom>
+          <a:noFill/>
+        </p:spPr>
+        <p:txBody>
+          <a:bodyPr wrap="square" rtlCol="0">
+            <a:spAutoFit/>
+          </a:bodyPr>
+          <a:lstStyle/>
+          <a:p>
+            <a:pPr algn="l" eaLnBrk="1" latinLnBrk="0" hangingPunct="1">
+              <a:lnSpc>
+                <a:spcPts val="5060"/>
+              </a:lnSpc>
+            </a:pPr>
+            <a:r>
+              <a:rPr lang="en-US" altLang="zh-CN" sz="2800" b="1">
+                <a:solidFill>
+                  <a:schemeClr val="tx1"/>
+                </a:solidFill>
+              </a:rPr>
+              <a:t>1</a:t>
+            </a:r>
+            <a:r>
+              <a:rPr lang="zh-CN" altLang="en-US" sz="2800" b="1">
+                <a:solidFill>
+                  <a:schemeClr val="tx1"/>
+                </a:solidFill>
+              </a:rPr>
+              <a:t>、</a:t>
+            </a:r>
+            <a:r>
+              <a:rPr lang="en-US" altLang="zh-CN" sz="2800" b="1">
+                <a:solidFill>
+                  <a:schemeClr val="tx1"/>
+                </a:solidFill>
+              </a:rPr>
+              <a:t>bt</a:t>
+            </a:r>
+            <a:r>
+              <a:rPr lang="zh-CN" altLang="en-US" sz="2800" b="1">
+                <a:solidFill>
+                  <a:schemeClr val="tx1"/>
+                </a:solidFill>
+              </a:rPr>
+              <a:t>客户端正在下载，实时更新进度信息。</a:t>
+            </a:r>
+          </a:p>
+          <a:p>
+            <a:pPr algn="l" eaLnBrk="1" latinLnBrk="0" hangingPunct="1">
+              <a:lnSpc>
+                <a:spcPts val="5060"/>
+              </a:lnSpc>
+            </a:pPr>
+            <a:r>
+              <a:rPr lang="en-US" altLang="zh-CN" sz="2800" b="1">
+                <a:solidFill>
+                  <a:schemeClr val="tx1"/>
+                </a:solidFill>
+              </a:rPr>
+              <a:t>2</a:t>
+            </a:r>
+            <a:r>
+              <a:rPr lang="zh-CN" altLang="en-US" sz="2800" b="1">
+                <a:solidFill>
+                  <a:schemeClr val="tx1"/>
+                </a:solidFill>
+              </a:rPr>
+              <a:t>、界面客户端需要显示进度。</a:t>
+            </a:r>
           </a:p>
         </p:txBody>
       </p:sp>
@@ -3652,7 +3663,14 @@
         <p:cNvGrpSpPr/>
         <p:nvPr/>
       </p:nvGrpSpPr>
-      <p:grpSpPr/>
+      <p:grpSpPr>
+        <a:xfrm>
+          <a:off x="0" y="0"/>
+          <a:ext cx="0" cy="0"/>
+          <a:chOff x="0" y="0"/>
+          <a:chExt cx="0" cy="0"/>
+        </a:xfrm>
+      </p:grpSpPr>
       <p:sp>
         <p:nvSpPr>
           <p:cNvPr id="2" name="灯片编号占位符 1"/>
@@ -3666,27 +3684,57 @@
         <p:spPr/>
         <p:txBody>
           <a:bodyPr/>
+          <a:lstStyle/>
           <a:p>
             <a:pPr>
               <a:defRPr/>
             </a:pPr>
             <a:fld id="{BFD985A7-C579-42AB-9DC6-F35271F2D58B}" type="slidenum">
               <a:rPr lang="en-US"/>
+              <a:t>4</a:t>
             </a:fld>
             <a:endParaRPr lang="en-US"/>
           </a:p>
         </p:txBody>
       </p:sp>
-      <p:sp>
-        <p:nvSpPr>
-          <p:cNvPr id="3" name="文本框 2"/>
+      <p:pic>
+        <p:nvPicPr>
+          <p:cNvPr id="3" name="图片 2"/>
+          <p:cNvPicPr>
+            <a:picLocks noChangeAspect="1"/>
+          </p:cNvPicPr>
+          <p:nvPr>
+            <p:custDataLst>
+              <p:tags r:id="rId1"/>
+            </p:custDataLst>
+          </p:nvPr>
+        </p:nvPicPr>
+        <p:blipFill>
+          <a:blip r:embed="rId3"/>
+          <a:stretch>
+            <a:fillRect/>
+          </a:stretch>
+        </p:blipFill>
+        <p:spPr>
+          <a:xfrm>
+            <a:off x="0" y="1358265"/>
+            <a:ext cx="9143365" cy="4352925"/>
+          </a:xfrm>
+          <a:prstGeom prst="rect">
+            <a:avLst/>
+          </a:prstGeom>
+        </p:spPr>
+      </p:pic>
+      <p:sp>
+        <p:nvSpPr>
+          <p:cNvPr id="4" name="文本框 3"/>
           <p:cNvSpPr txBox="1"/>
           <p:nvPr/>
         </p:nvSpPr>
         <p:spPr>
           <a:xfrm>
-            <a:off x="55880" y="107950"/>
-            <a:ext cx="1102360" cy="368300"/>
+            <a:off x="245745" y="79375"/>
+            <a:ext cx="642620" cy="368300"/>
           </a:xfrm>
           <a:prstGeom prst="rect">
             <a:avLst/>
@@ -3697,106 +3745,12 @@
           <a:bodyPr wrap="none" rtlCol="0">
             <a:spAutoFit/>
           </a:bodyPr>
+          <a:lstStyle/>
           <a:p>
             <a:r>
               <a:rPr lang="zh-CN" altLang="en-US" b="1"/>
-              <a:t>场景假想</a:t>
-            </a:r>
-            <a:endParaRPr lang="en-US" altLang="zh-CN" b="1"/>
-          </a:p>
-        </p:txBody>
-      </p:sp>
-      <p:sp>
-        <p:nvSpPr>
-          <p:cNvPr id="4" name="文本框 3"/>
-          <p:cNvSpPr txBox="1"/>
-          <p:nvPr/>
-        </p:nvSpPr>
-        <p:spPr>
-          <a:xfrm>
-            <a:off x="389890" y="2040255"/>
-            <a:ext cx="7717155" cy="1388745"/>
-          </a:xfrm>
-          <a:prstGeom prst="rect">
-            <a:avLst/>
-          </a:prstGeom>
-          <a:noFill/>
-        </p:spPr>
-        <p:txBody>
-          <a:bodyPr wrap="square" rtlCol="0">
-            <a:spAutoFit/>
-          </a:bodyPr>
-          <a:p>
-            <a:pPr algn="l" eaLnBrk="1" latinLnBrk="0" hangingPunct="1">
-              <a:lnSpc>
-                <a:spcPts val="5060"/>
-              </a:lnSpc>
-            </a:pPr>
-            <a:r>
-              <a:rPr lang="en-US" altLang="zh-CN" sz="2800" b="1">
-                <a:solidFill>
-                  <a:schemeClr val="tx1"/>
-                </a:solidFill>
-              </a:rPr>
-              <a:t>1</a:t>
-            </a:r>
-            <a:r>
-              <a:rPr lang="zh-CN" altLang="en-US" sz="2800" b="1">
-                <a:solidFill>
-                  <a:schemeClr val="tx1"/>
-                </a:solidFill>
-              </a:rPr>
-              <a:t>、</a:t>
-            </a:r>
-            <a:r>
-              <a:rPr lang="en-US" altLang="zh-CN" sz="2800" b="1">
-                <a:solidFill>
-                  <a:schemeClr val="tx1"/>
-                </a:solidFill>
-              </a:rPr>
-              <a:t>bt</a:t>
-            </a:r>
-            <a:r>
-              <a:rPr lang="zh-CN" altLang="en-US" sz="2800" b="1">
-                <a:solidFill>
-                  <a:schemeClr val="tx1"/>
-                </a:solidFill>
-              </a:rPr>
-              <a:t>客户端正在下载，实时更新进度信息。</a:t>
-            </a:r>
-            <a:endParaRPr lang="zh-CN" altLang="en-US" sz="2800" b="1">
-              <a:solidFill>
-                <a:schemeClr val="tx1"/>
-              </a:solidFill>
-            </a:endParaRPr>
-          </a:p>
-          <a:p>
-            <a:pPr algn="l" eaLnBrk="1" latinLnBrk="0" hangingPunct="1">
-              <a:lnSpc>
-                <a:spcPts val="5060"/>
-              </a:lnSpc>
-            </a:pPr>
-            <a:r>
-              <a:rPr lang="en-US" altLang="zh-CN" sz="2800" b="1">
-                <a:solidFill>
-                  <a:schemeClr val="tx1"/>
-                </a:solidFill>
-              </a:rPr>
-              <a:t>2</a:t>
-            </a:r>
-            <a:r>
-              <a:rPr lang="zh-CN" altLang="en-US" sz="2800" b="1">
-                <a:solidFill>
-                  <a:schemeClr val="tx1"/>
-                </a:solidFill>
-              </a:rPr>
-              <a:t>、界面客户端需要显示进度。</a:t>
-            </a:r>
-            <a:endParaRPr lang="zh-CN" altLang="en-US" sz="2800" b="1">
-              <a:solidFill>
-                <a:schemeClr val="tx1"/>
-              </a:solidFill>
-            </a:endParaRPr>
+              <a:t>结构</a:t>
+            </a:r>
           </a:p>
         </p:txBody>
       </p:sp>
@@ -3817,7 +3771,14 @@
         <p:cNvGrpSpPr/>
         <p:nvPr/>
       </p:nvGrpSpPr>
-      <p:grpSpPr/>
+      <p:grpSpPr>
+        <a:xfrm>
+          <a:off x="0" y="0"/>
+          <a:ext cx="0" cy="0"/>
+          <a:chOff x="0" y="0"/>
+          <a:chExt cx="0" cy="0"/>
+        </a:xfrm>
+      </p:grpSpPr>
       <p:sp>
         <p:nvSpPr>
           <p:cNvPr id="2" name="灯片编号占位符 1"/>
@@ -3831,12 +3792,14 @@
         <p:spPr/>
         <p:txBody>
           <a:bodyPr/>
+          <a:lstStyle/>
           <a:p>
             <a:pPr>
               <a:defRPr/>
             </a:pPr>
             <a:fld id="{BFD985A7-C579-42AB-9DC6-F35271F2D58B}" type="slidenum">
               <a:rPr lang="en-US"/>
+              <a:t>5</a:t>
             </a:fld>
             <a:endParaRPr lang="en-US"/>
           </a:p>
@@ -3862,12 +3825,12 @@
           <a:bodyPr wrap="none" rtlCol="0">
             <a:spAutoFit/>
           </a:bodyPr>
+          <a:lstStyle/>
           <a:p>
             <a:r>
               <a:rPr lang="zh-CN" altLang="en-US" b="1"/>
               <a:t>总结</a:t>
             </a:r>
-            <a:endParaRPr lang="zh-CN" altLang="en-US" b="1"/>
           </a:p>
         </p:txBody>
       </p:sp>
@@ -3880,7 +3843,7 @@
         <p:spPr>
           <a:xfrm>
             <a:off x="384810" y="2034540"/>
-            <a:ext cx="8019415" cy="2242820"/>
+            <a:ext cx="8105104" cy="2922723"/>
           </a:xfrm>
           <a:prstGeom prst="rect">
             <a:avLst/>
@@ -3891,6 +3854,7 @@
           <a:bodyPr wrap="none" rtlCol="0">
             <a:spAutoFit/>
           </a:bodyPr>
+          <a:lstStyle/>
           <a:p>
             <a:pPr marL="342900" indent="-342900" algn="l" eaLnBrk="1" latinLnBrk="0" hangingPunct="1">
               <a:lnSpc>
@@ -3900,7 +3864,7 @@
               <a:buChar char="Ø"/>
             </a:pPr>
             <a:r>
-              <a:rPr lang="en-US" altLang="zh-CN" sz="2400" b="1">
+              <a:rPr lang="en-US" altLang="zh-CN" sz="2400" b="1" dirty="0">
                 <a:solidFill>
                   <a:schemeClr val="tx1"/>
                 </a:solidFill>
@@ -3908,18 +3872,13 @@
               <a:t>observer </a:t>
             </a:r>
             <a:r>
-              <a:rPr lang="zh-CN" altLang="en-US" sz="2400" b="1">
+              <a:rPr lang="zh-CN" altLang="en-US" sz="2400" b="1" dirty="0">
                 <a:solidFill>
                   <a:schemeClr val="tx1"/>
                 </a:solidFill>
               </a:rPr>
               <a:t>使目标和观察者，可以独立改变，达成松耦合</a:t>
             </a:r>
-            <a:endParaRPr lang="zh-CN" altLang="en-US" sz="2400" b="1">
-              <a:solidFill>
-                <a:schemeClr val="tx1"/>
-              </a:solidFill>
-            </a:endParaRPr>
           </a:p>
           <a:p>
             <a:pPr marL="342900" indent="-342900" algn="l" eaLnBrk="1" latinLnBrk="0" hangingPunct="1">
@@ -3930,18 +3889,35 @@
               <a:buChar char="Ø"/>
             </a:pPr>
             <a:r>
+              <a:rPr lang="zh-CN" altLang="en-US" sz="2400" b="1" dirty="0">
+                <a:solidFill>
+                  <a:schemeClr val="tx1"/>
+                </a:solidFill>
+              </a:rPr>
+              <a:t>观察者自己决定是否要订阅，目标不需要关心</a:t>
+            </a:r>
+            <a:endParaRPr lang="en-US" altLang="zh-CN" sz="2400" b="1" dirty="0">
+              <a:solidFill>
+                <a:schemeClr val="tx1"/>
+              </a:solidFill>
+            </a:endParaRPr>
+          </a:p>
+          <a:p>
+            <a:pPr marL="342900" indent="-342900" algn="l" eaLnBrk="1" latinLnBrk="0" hangingPunct="1">
+              <a:lnSpc>
+                <a:spcPts val="5860"/>
+              </a:lnSpc>
+              <a:buFont typeface="Wingdings" panose="05000000000000000000" charset="0"/>
+              <a:buChar char="Ø"/>
+            </a:pPr>
+            <a:r>
               <a:rPr lang="zh-CN" altLang="en-US" sz="2400" b="1">
                 <a:solidFill>
                   <a:schemeClr val="tx1"/>
                 </a:solidFill>
               </a:rPr>
-              <a:t>观察者自己决定是否要订阅，目标不需要关心</a:t>
-            </a:r>
-            <a:endParaRPr lang="zh-CN" altLang="en-US" sz="2400" b="1">
-              <a:solidFill>
-                <a:schemeClr val="tx1"/>
-              </a:solidFill>
-            </a:endParaRPr>
+              <a:t>在观察者数量多得情况下，性能容易出问题</a:t>
+            </a:r>
           </a:p>
           <a:p>
             <a:pPr marL="342900" indent="-342900" algn="l" eaLnBrk="1" latinLnBrk="0" hangingPunct="1">
@@ -3951,7 +3927,7 @@
               <a:buFont typeface="Wingdings" panose="05000000000000000000" charset="0"/>
               <a:buChar char="Ø"/>
             </a:pPr>
-            <a:endParaRPr lang="zh-CN" altLang="en-US" sz="2400" b="1">
+            <a:endParaRPr lang="zh-CN" altLang="en-US" sz="2400" b="1" dirty="0">
               <a:solidFill>
                 <a:schemeClr val="tx1"/>
               </a:solidFill>
@@ -3968,7 +3944,7 @@
 </file>
 
 <file path=ppt/tags/tag1.xml><?xml version="1.0" encoding="utf-8"?>
-<p:tagLst xmlns:p="http://schemas.openxmlformats.org/presentationml/2006/main">
+<p:tagLst xmlns:a="http://schemas.openxmlformats.org/drawingml/2006/main" xmlns:r="http://schemas.openxmlformats.org/officeDocument/2006/relationships" xmlns:p="http://schemas.openxmlformats.org/presentationml/2006/main">
   <p:tag name="REFSHAPE" val="341246444"/>
   <p:tag name="KSO_WM_UNIT_PLACING_PICTURE_USER_VIEWPORT" val="{&quot;height&quot;:3810,&quot;width&quot;:9420}"/>
 </p:tagLst>
@@ -5094,6 +5070,8 @@
       </a:bgFillStyleLst>
     </a:fmtScheme>
   </a:themeElements>
+  <a:objectDefaults/>
+  <a:extraClrSchemeLst/>
   <a:extLst>
     <a:ext uri="{05A4C25C-085E-4340-85A3-A5531E510DB2}">
       <thm15:themeFamily xmlns:thm15="http://schemas.microsoft.com/office/thememl/2012/main" name="Office Theme" id="{62F939B6-93AF-4DB8-9C6B-D6C7DFDC589F}" vid="{4A3C46E8-61CC-4603-A589-7422A47A8E4A}"/>
